--- a/Document/EPM_ESSENCE활용(Fortune)_v1.0.pptx
+++ b/Document/EPM_ESSENCE활용(Fortune)_v1.0.pptx
@@ -252,7 +252,7 @@
             <a:fld id="{555B1B08-8A64-4DFD-90CB-10FEF68F6979}" type="datetimeFigureOut">
               <a:rPr lang="ko-KR" altLang="en-US" smtClean="0"/>
               <a:pPr/>
-              <a:t>2016-11-07</a:t>
+              <a:t>2016-11-10</a:t>
             </a:fld>
             <a:endParaRPr lang="ko-KR" altLang="en-US"/>
           </a:p>
@@ -11408,7 +11408,15 @@
                           <a:latin typeface="+mn-ea"/>
                           <a:ea typeface="+mn-ea"/>
                         </a:rPr>
-                        <a:t>시스템 요구사항 정의서</a:t>
+                        <a:t>사용자 요구사항 </a:t>
+                      </a:r>
+                      <a:r>
+                        <a:rPr lang="ko-KR" altLang="en-US" sz="1200" kern="100" baseline="0" dirty="0" smtClean="0">
+                          <a:effectLst/>
+                          <a:latin typeface="+mn-ea"/>
+                          <a:ea typeface="+mn-ea"/>
+                        </a:rPr>
+                        <a:t>정의서</a:t>
                       </a:r>
                     </a:p>
                     <a:p>
@@ -11437,20 +11445,12 @@
                         <a:buAutoNum type="arabicPeriod"/>
                       </a:pPr>
                       <a:r>
-                        <a:rPr lang="ko-KR" altLang="en-US" sz="1200" kern="100" baseline="0" dirty="0" err="1" smtClean="0">
+                        <a:rPr lang="ko-KR" altLang="en-US" sz="1200" kern="100" baseline="0" dirty="0" smtClean="0">
                           <a:effectLst/>
                           <a:latin typeface="+mn-ea"/>
                           <a:ea typeface="+mn-ea"/>
                         </a:rPr>
-                        <a:t>간트</a:t>
-                      </a:r>
-                      <a:r>
-                        <a:rPr lang="ko-KR" altLang="en-US" sz="1200" kern="100" baseline="0" dirty="0" smtClean="0">
-                          <a:effectLst/>
-                          <a:latin typeface="+mn-ea"/>
-                          <a:ea typeface="+mn-ea"/>
-                        </a:rPr>
-                        <a:t> 차트</a:t>
+                        <a:t>일정 관리</a:t>
                       </a:r>
                       <a:endParaRPr lang="en-US" altLang="ko-KR" sz="1200" kern="100" dirty="0" smtClean="0">
                         <a:effectLst/>
@@ -11695,15 +11695,7 @@
                           <a:latin typeface="+mn-ea"/>
                           <a:ea typeface="+mn-ea"/>
                         </a:rPr>
-                        <a:t>일정 관리</a:t>
-                      </a:r>
-                      <a:r>
-                        <a:rPr lang="en-US" altLang="ko-KR" sz="1200" kern="100" baseline="0" dirty="0" smtClean="0">
-                          <a:effectLst/>
-                          <a:latin typeface="+mn-ea"/>
-                          <a:ea typeface="+mn-ea"/>
-                        </a:rPr>
-                        <a:t>,</a:t>
+                        <a:t>일정관리</a:t>
                       </a:r>
                       <a:endParaRPr lang="ko-KR" altLang="en-US" sz="1200" kern="100" baseline="0" dirty="0" smtClean="0">
                         <a:effectLst/>
@@ -12431,19 +12423,7 @@
                           <a:ea typeface="+mn-ea"/>
                           <a:cs typeface="Times New Roman" panose="02020603050405020304" pitchFamily="18" charset="0"/>
                         </a:rPr>
-                        <a:t>프로젝트 </a:t>
-                      </a:r>
-                      <a:r>
-                        <a:rPr lang="ko-KR" altLang="en-US" sz="1200" kern="100" dirty="0" smtClean="0">
-                          <a:solidFill>
-                            <a:schemeClr val="dk1"/>
-                          </a:solidFill>
-                          <a:effectLst/>
-                          <a:latin typeface="+mn-ea"/>
-                          <a:ea typeface="+mn-ea"/>
-                          <a:cs typeface="Times New Roman" panose="02020603050405020304" pitchFamily="18" charset="0"/>
-                        </a:rPr>
-                        <a:t>완료 보고서</a:t>
+                        <a:t>프로젝트 완료 보고서</a:t>
                       </a:r>
                       <a:r>
                         <a:rPr lang="en-US" altLang="ko-KR" sz="1200" kern="100" dirty="0" smtClean="0">
@@ -26423,6 +26403,10 @@
                         <a:tabLst/>
                         <a:defRPr/>
                       </a:pPr>
+                      <a:r>
+                        <a:rPr lang="ko-KR" altLang="en-US" dirty="0" smtClean="0"/>
+                        <a:t>테스트 문서</a:t>
+                      </a:r>
                       <a:endParaRPr lang="ko-KR" altLang="en-US" dirty="0"/>
                     </a:p>
                   </a:txBody>
